--- a/DBSCAN/Plots/CorePoints.pptx
+++ b/DBSCAN/Plots/CorePoints.pptx
@@ -243,7 +243,7 @@
           <a:p>
             <a:fld id="{146872F8-EB59-4A55-BA13-3329C4F12657}" type="datetimeFigureOut">
               <a:rPr lang="zh-CN" altLang="en-US" smtClean="0"/>
-              <a:t>2018/5/23</a:t>
+              <a:t>2018/11/2</a:t>
             </a:fld>
             <a:endParaRPr lang="zh-CN" altLang="en-US"/>
           </a:p>
@@ -413,7 +413,7 @@
           <a:p>
             <a:fld id="{146872F8-EB59-4A55-BA13-3329C4F12657}" type="datetimeFigureOut">
               <a:rPr lang="zh-CN" altLang="en-US" smtClean="0"/>
-              <a:t>2018/5/23</a:t>
+              <a:t>2018/11/2</a:t>
             </a:fld>
             <a:endParaRPr lang="zh-CN" altLang="en-US"/>
           </a:p>
@@ -593,7 +593,7 @@
           <a:p>
             <a:fld id="{146872F8-EB59-4A55-BA13-3329C4F12657}" type="datetimeFigureOut">
               <a:rPr lang="zh-CN" altLang="en-US" smtClean="0"/>
-              <a:t>2018/5/23</a:t>
+              <a:t>2018/11/2</a:t>
             </a:fld>
             <a:endParaRPr lang="zh-CN" altLang="en-US"/>
           </a:p>
@@ -763,7 +763,7 @@
           <a:p>
             <a:fld id="{146872F8-EB59-4A55-BA13-3329C4F12657}" type="datetimeFigureOut">
               <a:rPr lang="zh-CN" altLang="en-US" smtClean="0"/>
-              <a:t>2018/5/23</a:t>
+              <a:t>2018/11/2</a:t>
             </a:fld>
             <a:endParaRPr lang="zh-CN" altLang="en-US"/>
           </a:p>
@@ -1009,7 +1009,7 @@
           <a:p>
             <a:fld id="{146872F8-EB59-4A55-BA13-3329C4F12657}" type="datetimeFigureOut">
               <a:rPr lang="zh-CN" altLang="en-US" smtClean="0"/>
-              <a:t>2018/5/23</a:t>
+              <a:t>2018/11/2</a:t>
             </a:fld>
             <a:endParaRPr lang="zh-CN" altLang="en-US"/>
           </a:p>
@@ -1241,7 +1241,7 @@
           <a:p>
             <a:fld id="{146872F8-EB59-4A55-BA13-3329C4F12657}" type="datetimeFigureOut">
               <a:rPr lang="zh-CN" altLang="en-US" smtClean="0"/>
-              <a:t>2018/5/23</a:t>
+              <a:t>2018/11/2</a:t>
             </a:fld>
             <a:endParaRPr lang="zh-CN" altLang="en-US"/>
           </a:p>
@@ -1608,7 +1608,7 @@
           <a:p>
             <a:fld id="{146872F8-EB59-4A55-BA13-3329C4F12657}" type="datetimeFigureOut">
               <a:rPr lang="zh-CN" altLang="en-US" smtClean="0"/>
-              <a:t>2018/5/23</a:t>
+              <a:t>2018/11/2</a:t>
             </a:fld>
             <a:endParaRPr lang="zh-CN" altLang="en-US"/>
           </a:p>
@@ -1726,7 +1726,7 @@
           <a:p>
             <a:fld id="{146872F8-EB59-4A55-BA13-3329C4F12657}" type="datetimeFigureOut">
               <a:rPr lang="zh-CN" altLang="en-US" smtClean="0"/>
-              <a:t>2018/5/23</a:t>
+              <a:t>2018/11/2</a:t>
             </a:fld>
             <a:endParaRPr lang="zh-CN" altLang="en-US"/>
           </a:p>
@@ -1821,7 +1821,7 @@
           <a:p>
             <a:fld id="{146872F8-EB59-4A55-BA13-3329C4F12657}" type="datetimeFigureOut">
               <a:rPr lang="zh-CN" altLang="en-US" smtClean="0"/>
-              <a:t>2018/5/23</a:t>
+              <a:t>2018/11/2</a:t>
             </a:fld>
             <a:endParaRPr lang="zh-CN" altLang="en-US"/>
           </a:p>
@@ -2098,7 +2098,7 @@
           <a:p>
             <a:fld id="{146872F8-EB59-4A55-BA13-3329C4F12657}" type="datetimeFigureOut">
               <a:rPr lang="zh-CN" altLang="en-US" smtClean="0"/>
-              <a:t>2018/5/23</a:t>
+              <a:t>2018/11/2</a:t>
             </a:fld>
             <a:endParaRPr lang="zh-CN" altLang="en-US"/>
           </a:p>
@@ -2351,7 +2351,7 @@
           <a:p>
             <a:fld id="{146872F8-EB59-4A55-BA13-3329C4F12657}" type="datetimeFigureOut">
               <a:rPr lang="zh-CN" altLang="en-US" smtClean="0"/>
-              <a:t>2018/5/23</a:t>
+              <a:t>2018/11/2</a:t>
             </a:fld>
             <a:endParaRPr lang="zh-CN" altLang="en-US"/>
           </a:p>
@@ -2564,7 +2564,7 @@
           <a:p>
             <a:fld id="{146872F8-EB59-4A55-BA13-3329C4F12657}" type="datetimeFigureOut">
               <a:rPr lang="zh-CN" altLang="en-US" smtClean="0"/>
-              <a:t>2018/5/23</a:t>
+              <a:t>2018/11/2</a:t>
             </a:fld>
             <a:endParaRPr lang="zh-CN" altLang="en-US"/>
           </a:p>
@@ -2969,656 +2969,671 @@
           <a:chExt cx="0" cy="0"/>
         </a:xfrm>
       </p:grpSpPr>
-      <p:sp>
-        <p:nvSpPr>
-          <p:cNvPr id="17" name="椭圆 16"/>
-          <p:cNvSpPr/>
+      <p:grpSp>
+        <p:nvGrpSpPr>
+          <p:cNvPr id="3" name="组合 2"/>
+          <p:cNvGrpSpPr/>
           <p:nvPr/>
-        </p:nvSpPr>
-        <p:spPr>
-          <a:xfrm>
-            <a:off x="4633191" y="2496567"/>
-            <a:ext cx="1851890" cy="1851890"/>
-          </a:xfrm>
-          <a:prstGeom prst="ellipse">
-            <a:avLst/>
-          </a:prstGeom>
-          <a:noFill/>
-          <a:ln w="28575">
-            <a:solidFill>
-              <a:srgbClr val="FF0000"/>
-            </a:solidFill>
-          </a:ln>
-        </p:spPr>
-        <p:style>
-          <a:lnRef idx="2">
-            <a:schemeClr val="accent1">
-              <a:shade val="50000"/>
-            </a:schemeClr>
-          </a:lnRef>
-          <a:fillRef idx="1">
-            <a:schemeClr val="accent1"/>
-          </a:fillRef>
-          <a:effectRef idx="0">
-            <a:schemeClr val="accent1"/>
-          </a:effectRef>
-          <a:fontRef idx="minor">
-            <a:schemeClr val="lt1"/>
-          </a:fontRef>
-        </p:style>
-        <p:txBody>
-          <a:bodyPr rtlCol="0" anchor="ctr"/>
-          <a:lstStyle/>
-          <a:p>
-            <a:pPr algn="ctr"/>
-            <a:endParaRPr lang="zh-CN" altLang="en-US"/>
-          </a:p>
-        </p:txBody>
-      </p:sp>
-      <p:sp>
-        <p:nvSpPr>
-          <p:cNvPr id="20" name="椭圆 19"/>
-          <p:cNvSpPr/>
-          <p:nvPr/>
-        </p:nvSpPr>
-        <p:spPr>
-          <a:xfrm>
-            <a:off x="4017816" y="2669445"/>
-            <a:ext cx="1851890" cy="1851890"/>
-          </a:xfrm>
-          <a:prstGeom prst="ellipse">
-            <a:avLst/>
-          </a:prstGeom>
-          <a:noFill/>
-          <a:ln w="28575">
-            <a:solidFill>
-              <a:srgbClr val="FF0000"/>
-            </a:solidFill>
-          </a:ln>
-        </p:spPr>
-        <p:style>
-          <a:lnRef idx="2">
-            <a:schemeClr val="accent1">
-              <a:shade val="50000"/>
-            </a:schemeClr>
-          </a:lnRef>
-          <a:fillRef idx="1">
-            <a:schemeClr val="accent1"/>
-          </a:fillRef>
-          <a:effectRef idx="0">
-            <a:schemeClr val="accent1"/>
-          </a:effectRef>
-          <a:fontRef idx="minor">
-            <a:schemeClr val="lt1"/>
-          </a:fontRef>
-        </p:style>
-        <p:txBody>
-          <a:bodyPr rtlCol="0" anchor="ctr"/>
-          <a:lstStyle/>
-          <a:p>
-            <a:pPr algn="ctr"/>
-            <a:endParaRPr lang="zh-CN" altLang="en-US"/>
-          </a:p>
-        </p:txBody>
-      </p:sp>
-      <p:sp>
-        <p:nvSpPr>
-          <p:cNvPr id="21" name="椭圆 20"/>
-          <p:cNvSpPr/>
-          <p:nvPr/>
-        </p:nvSpPr>
-        <p:spPr>
+        </p:nvGrpSpPr>
+        <p:grpSpPr>
           <a:xfrm>
             <a:off x="3445164" y="2179916"/>
-            <a:ext cx="1851890" cy="1851890"/>
+            <a:ext cx="5507182" cy="2341419"/>
+            <a:chOff x="3445164" y="2179916"/>
+            <a:chExt cx="5507182" cy="2341419"/>
           </a:xfrm>
-          <a:prstGeom prst="ellipse">
-            <a:avLst/>
-          </a:prstGeom>
-          <a:noFill/>
-          <a:ln w="28575">
-            <a:solidFill>
-              <a:srgbClr val="FF0000"/>
-            </a:solidFill>
-          </a:ln>
-        </p:spPr>
-        <p:style>
-          <a:lnRef idx="2">
-            <a:schemeClr val="accent1">
-              <a:shade val="50000"/>
-            </a:schemeClr>
-          </a:lnRef>
-          <a:fillRef idx="1">
-            <a:schemeClr val="accent1"/>
-          </a:fillRef>
-          <a:effectRef idx="0">
-            <a:schemeClr val="accent1"/>
-          </a:effectRef>
-          <a:fontRef idx="minor">
-            <a:schemeClr val="lt1"/>
-          </a:fontRef>
-        </p:style>
-        <p:txBody>
-          <a:bodyPr rtlCol="0" anchor="ctr"/>
-          <a:lstStyle/>
-          <a:p>
-            <a:pPr algn="ctr"/>
-            <a:endParaRPr lang="zh-CN" altLang="en-US" dirty="0"/>
-          </a:p>
-        </p:txBody>
-      </p:sp>
-      <p:sp>
-        <p:nvSpPr>
-          <p:cNvPr id="23" name="椭圆 22"/>
-          <p:cNvSpPr/>
-          <p:nvPr/>
-        </p:nvSpPr>
-        <p:spPr>
-          <a:xfrm>
-            <a:off x="7100456" y="2580272"/>
-            <a:ext cx="1851890" cy="1851890"/>
-          </a:xfrm>
-          <a:prstGeom prst="ellipse">
-            <a:avLst/>
-          </a:prstGeom>
-          <a:noFill/>
-          <a:ln w="28575">
-            <a:solidFill>
-              <a:srgbClr val="FF0000"/>
-            </a:solidFill>
-          </a:ln>
-        </p:spPr>
-        <p:style>
-          <a:lnRef idx="2">
-            <a:schemeClr val="accent1">
-              <a:shade val="50000"/>
-            </a:schemeClr>
-          </a:lnRef>
-          <a:fillRef idx="1">
-            <a:schemeClr val="accent1"/>
-          </a:fillRef>
-          <a:effectRef idx="0">
-            <a:schemeClr val="accent1"/>
-          </a:effectRef>
-          <a:fontRef idx="minor">
-            <a:schemeClr val="lt1"/>
-          </a:fontRef>
-        </p:style>
-        <p:txBody>
-          <a:bodyPr rtlCol="0" anchor="ctr"/>
-          <a:lstStyle/>
-          <a:p>
-            <a:pPr algn="ctr"/>
-            <a:endParaRPr lang="zh-CN" altLang="en-US" dirty="0"/>
-          </a:p>
-        </p:txBody>
-      </p:sp>
-      <p:sp>
-        <p:nvSpPr>
-          <p:cNvPr id="30" name="文本框 29"/>
-          <p:cNvSpPr txBox="1"/>
-          <p:nvPr/>
-        </p:nvSpPr>
-        <p:spPr>
-          <a:xfrm>
-            <a:off x="4104692" y="3105861"/>
-            <a:ext cx="295564" cy="338554"/>
-          </a:xfrm>
-          <a:prstGeom prst="rect">
-            <a:avLst/>
-          </a:prstGeom>
-          <a:noFill/>
-        </p:spPr>
-        <p:txBody>
-          <a:bodyPr wrap="square" rtlCol="0">
-            <a:spAutoFit/>
-          </a:bodyPr>
-          <a:lstStyle/>
-          <a:p>
-            <a:r>
-              <a:rPr lang="en-US" altLang="zh-CN" sz="1600" dirty="0" smtClean="0">
+        </p:grpSpPr>
+        <p:sp>
+          <p:nvSpPr>
+            <p:cNvPr id="17" name="椭圆 16"/>
+            <p:cNvSpPr/>
+            <p:nvPr/>
+          </p:nvSpPr>
+          <p:spPr>
+            <a:xfrm>
+              <a:off x="4633191" y="2496567"/>
+              <a:ext cx="1851890" cy="1851890"/>
+            </a:xfrm>
+            <a:prstGeom prst="ellipse">
+              <a:avLst/>
+            </a:prstGeom>
+            <a:noFill/>
+            <a:ln w="28575">
+              <a:solidFill>
+                <a:srgbClr val="FF0000"/>
+              </a:solidFill>
+            </a:ln>
+          </p:spPr>
+          <p:style>
+            <a:lnRef idx="2">
+              <a:schemeClr val="accent1">
+                <a:shade val="50000"/>
+              </a:schemeClr>
+            </a:lnRef>
+            <a:fillRef idx="1">
+              <a:schemeClr val="accent1"/>
+            </a:fillRef>
+            <a:effectRef idx="0">
+              <a:schemeClr val="accent1"/>
+            </a:effectRef>
+            <a:fontRef idx="minor">
+              <a:schemeClr val="lt1"/>
+            </a:fontRef>
+          </p:style>
+          <p:txBody>
+            <a:bodyPr rtlCol="0" anchor="ctr"/>
+            <a:lstStyle/>
+            <a:p>
+              <a:pPr algn="ctr"/>
+              <a:endParaRPr lang="zh-CN" altLang="en-US"/>
+            </a:p>
+          </p:txBody>
+        </p:sp>
+        <p:sp>
+          <p:nvSpPr>
+            <p:cNvPr id="20" name="椭圆 19"/>
+            <p:cNvSpPr/>
+            <p:nvPr/>
+          </p:nvSpPr>
+          <p:spPr>
+            <a:xfrm>
+              <a:off x="4017816" y="2669445"/>
+              <a:ext cx="1851890" cy="1851890"/>
+            </a:xfrm>
+            <a:prstGeom prst="ellipse">
+              <a:avLst/>
+            </a:prstGeom>
+            <a:noFill/>
+            <a:ln w="28575">
+              <a:solidFill>
+                <a:srgbClr val="FF0000"/>
+              </a:solidFill>
+            </a:ln>
+          </p:spPr>
+          <p:style>
+            <a:lnRef idx="2">
+              <a:schemeClr val="accent1">
+                <a:shade val="50000"/>
+              </a:schemeClr>
+            </a:lnRef>
+            <a:fillRef idx="1">
+              <a:schemeClr val="accent1"/>
+            </a:fillRef>
+            <a:effectRef idx="0">
+              <a:schemeClr val="accent1"/>
+            </a:effectRef>
+            <a:fontRef idx="minor">
+              <a:schemeClr val="lt1"/>
+            </a:fontRef>
+          </p:style>
+          <p:txBody>
+            <a:bodyPr rtlCol="0" anchor="ctr"/>
+            <a:lstStyle/>
+            <a:p>
+              <a:pPr algn="ctr"/>
+              <a:endParaRPr lang="zh-CN" altLang="en-US"/>
+            </a:p>
+          </p:txBody>
+        </p:sp>
+        <p:sp>
+          <p:nvSpPr>
+            <p:cNvPr id="21" name="椭圆 20"/>
+            <p:cNvSpPr/>
+            <p:nvPr/>
+          </p:nvSpPr>
+          <p:spPr>
+            <a:xfrm>
+              <a:off x="3445164" y="2179916"/>
+              <a:ext cx="1851890" cy="1851890"/>
+            </a:xfrm>
+            <a:prstGeom prst="ellipse">
+              <a:avLst/>
+            </a:prstGeom>
+            <a:noFill/>
+            <a:ln w="28575">
+              <a:solidFill>
+                <a:srgbClr val="FF0000"/>
+              </a:solidFill>
+            </a:ln>
+          </p:spPr>
+          <p:style>
+            <a:lnRef idx="2">
+              <a:schemeClr val="accent1">
+                <a:shade val="50000"/>
+              </a:schemeClr>
+            </a:lnRef>
+            <a:fillRef idx="1">
+              <a:schemeClr val="accent1"/>
+            </a:fillRef>
+            <a:effectRef idx="0">
+              <a:schemeClr val="accent1"/>
+            </a:effectRef>
+            <a:fontRef idx="minor">
+              <a:schemeClr val="lt1"/>
+            </a:fontRef>
+          </p:style>
+          <p:txBody>
+            <a:bodyPr rtlCol="0" anchor="ctr"/>
+            <a:lstStyle/>
+            <a:p>
+              <a:pPr algn="ctr"/>
+              <a:endParaRPr lang="zh-CN" altLang="en-US" dirty="0"/>
+            </a:p>
+          </p:txBody>
+        </p:sp>
+        <p:sp>
+          <p:nvSpPr>
+            <p:cNvPr id="23" name="椭圆 22"/>
+            <p:cNvSpPr/>
+            <p:nvPr/>
+          </p:nvSpPr>
+          <p:spPr>
+            <a:xfrm>
+              <a:off x="7100456" y="2580272"/>
+              <a:ext cx="1851890" cy="1851890"/>
+            </a:xfrm>
+            <a:prstGeom prst="ellipse">
+              <a:avLst/>
+            </a:prstGeom>
+            <a:noFill/>
+            <a:ln w="28575">
+              <a:solidFill>
+                <a:srgbClr val="FF0000"/>
+              </a:solidFill>
+            </a:ln>
+          </p:spPr>
+          <p:style>
+            <a:lnRef idx="2">
+              <a:schemeClr val="accent1">
+                <a:shade val="50000"/>
+              </a:schemeClr>
+            </a:lnRef>
+            <a:fillRef idx="1">
+              <a:schemeClr val="accent1"/>
+            </a:fillRef>
+            <a:effectRef idx="0">
+              <a:schemeClr val="accent1"/>
+            </a:effectRef>
+            <a:fontRef idx="minor">
+              <a:schemeClr val="lt1"/>
+            </a:fontRef>
+          </p:style>
+          <p:txBody>
+            <a:bodyPr rtlCol="0" anchor="ctr"/>
+            <a:lstStyle/>
+            <a:p>
+              <a:pPr algn="ctr"/>
+              <a:endParaRPr lang="zh-CN" altLang="en-US" dirty="0"/>
+            </a:p>
+          </p:txBody>
+        </p:sp>
+        <p:sp>
+          <p:nvSpPr>
+            <p:cNvPr id="30" name="文本框 29"/>
+            <p:cNvSpPr txBox="1"/>
+            <p:nvPr/>
+          </p:nvSpPr>
+          <p:spPr>
+            <a:xfrm>
+              <a:off x="4104692" y="3105861"/>
+              <a:ext cx="295564" cy="338554"/>
+            </a:xfrm>
+            <a:prstGeom prst="rect">
+              <a:avLst/>
+            </a:prstGeom>
+            <a:noFill/>
+          </p:spPr>
+          <p:txBody>
+            <a:bodyPr wrap="square" rtlCol="0">
+              <a:spAutoFit/>
+            </a:bodyPr>
+            <a:lstStyle/>
+            <a:p>
+              <a:r>
+                <a:rPr lang="en-US" altLang="zh-CN" sz="1600" dirty="0" smtClean="0">
+                  <a:latin typeface="Times New Roman" panose="02020603050405020304" pitchFamily="18" charset="0"/>
+                  <a:cs typeface="Times New Roman" panose="02020603050405020304" pitchFamily="18" charset="0"/>
+                </a:rPr>
+                <a:t>a</a:t>
+              </a:r>
+              <a:endParaRPr lang="zh-CN" altLang="en-US" sz="1600" dirty="0">
                 <a:latin typeface="Times New Roman" panose="02020603050405020304" pitchFamily="18" charset="0"/>
                 <a:cs typeface="Times New Roman" panose="02020603050405020304" pitchFamily="18" charset="0"/>
-              </a:rPr>
-              <a:t>a</a:t>
-            </a:r>
-            <a:endParaRPr lang="zh-CN" altLang="en-US" sz="1600" dirty="0">
-              <a:latin typeface="Times New Roman" panose="02020603050405020304" pitchFamily="18" charset="0"/>
-              <a:cs typeface="Times New Roman" panose="02020603050405020304" pitchFamily="18" charset="0"/>
-            </a:endParaRPr>
-          </a:p>
-        </p:txBody>
-      </p:sp>
-      <p:sp>
-        <p:nvSpPr>
-          <p:cNvPr id="31" name="文本框 30"/>
-          <p:cNvSpPr txBox="1"/>
-          <p:nvPr/>
-        </p:nvSpPr>
-        <p:spPr>
-          <a:xfrm>
-            <a:off x="4653970" y="3256836"/>
-            <a:ext cx="314037" cy="338554"/>
-          </a:xfrm>
-          <a:prstGeom prst="rect">
-            <a:avLst/>
-          </a:prstGeom>
-          <a:noFill/>
-        </p:spPr>
-        <p:txBody>
-          <a:bodyPr wrap="square" rtlCol="0">
-            <a:spAutoFit/>
-          </a:bodyPr>
-          <a:lstStyle/>
-          <a:p>
-            <a:r>
-              <a:rPr lang="en-US" altLang="zh-CN" sz="1600" dirty="0" smtClean="0">
+              </a:endParaRPr>
+            </a:p>
+          </p:txBody>
+        </p:sp>
+        <p:sp>
+          <p:nvSpPr>
+            <p:cNvPr id="31" name="文本框 30"/>
+            <p:cNvSpPr txBox="1"/>
+            <p:nvPr/>
+          </p:nvSpPr>
+          <p:spPr>
+            <a:xfrm>
+              <a:off x="4653970" y="3256836"/>
+              <a:ext cx="314037" cy="338554"/>
+            </a:xfrm>
+            <a:prstGeom prst="rect">
+              <a:avLst/>
+            </a:prstGeom>
+            <a:noFill/>
+          </p:spPr>
+          <p:txBody>
+            <a:bodyPr wrap="square" rtlCol="0">
+              <a:spAutoFit/>
+            </a:bodyPr>
+            <a:lstStyle/>
+            <a:p>
+              <a:r>
+                <a:rPr lang="en-US" altLang="zh-CN" sz="1600" dirty="0" smtClean="0">
+                  <a:latin typeface="Times New Roman" panose="02020603050405020304" pitchFamily="18" charset="0"/>
+                  <a:cs typeface="Times New Roman" panose="02020603050405020304" pitchFamily="18" charset="0"/>
+                </a:rPr>
+                <a:t>b</a:t>
+              </a:r>
+              <a:endParaRPr lang="zh-CN" altLang="en-US" sz="1600" dirty="0">
                 <a:latin typeface="Times New Roman" panose="02020603050405020304" pitchFamily="18" charset="0"/>
                 <a:cs typeface="Times New Roman" panose="02020603050405020304" pitchFamily="18" charset="0"/>
-              </a:rPr>
-              <a:t>b</a:t>
-            </a:r>
-            <a:endParaRPr lang="zh-CN" altLang="en-US" sz="1600" dirty="0">
-              <a:latin typeface="Times New Roman" panose="02020603050405020304" pitchFamily="18" charset="0"/>
-              <a:cs typeface="Times New Roman" panose="02020603050405020304" pitchFamily="18" charset="0"/>
-            </a:endParaRPr>
-          </a:p>
-        </p:txBody>
-      </p:sp>
-      <p:sp>
-        <p:nvSpPr>
-          <p:cNvPr id="32" name="文本框 31"/>
-          <p:cNvSpPr txBox="1"/>
-          <p:nvPr/>
-        </p:nvSpPr>
-        <p:spPr>
-          <a:xfrm>
-            <a:off x="5281750" y="3087559"/>
-            <a:ext cx="314037" cy="338554"/>
-          </a:xfrm>
-          <a:prstGeom prst="rect">
-            <a:avLst/>
-          </a:prstGeom>
-          <a:noFill/>
-        </p:spPr>
-        <p:txBody>
-          <a:bodyPr wrap="square" rtlCol="0">
-            <a:spAutoFit/>
-          </a:bodyPr>
-          <a:lstStyle/>
-          <a:p>
-            <a:r>
-              <a:rPr lang="en-US" altLang="zh-CN" sz="1600" dirty="0" smtClean="0">
+              </a:endParaRPr>
+            </a:p>
+          </p:txBody>
+        </p:sp>
+        <p:sp>
+          <p:nvSpPr>
+            <p:cNvPr id="32" name="文本框 31"/>
+            <p:cNvSpPr txBox="1"/>
+            <p:nvPr/>
+          </p:nvSpPr>
+          <p:spPr>
+            <a:xfrm>
+              <a:off x="5281750" y="3087559"/>
+              <a:ext cx="314037" cy="338554"/>
+            </a:xfrm>
+            <a:prstGeom prst="rect">
+              <a:avLst/>
+            </a:prstGeom>
+            <a:noFill/>
+          </p:spPr>
+          <p:txBody>
+            <a:bodyPr wrap="square" rtlCol="0">
+              <a:spAutoFit/>
+            </a:bodyPr>
+            <a:lstStyle/>
+            <a:p>
+              <a:r>
+                <a:rPr lang="en-US" altLang="zh-CN" sz="1600" dirty="0" smtClean="0">
+                  <a:latin typeface="Times New Roman" panose="02020603050405020304" pitchFamily="18" charset="0"/>
+                  <a:cs typeface="Times New Roman" panose="02020603050405020304" pitchFamily="18" charset="0"/>
+                </a:rPr>
+                <a:t>c</a:t>
+              </a:r>
+              <a:endParaRPr lang="zh-CN" altLang="en-US" sz="1600" dirty="0">
                 <a:latin typeface="Times New Roman" panose="02020603050405020304" pitchFamily="18" charset="0"/>
                 <a:cs typeface="Times New Roman" panose="02020603050405020304" pitchFamily="18" charset="0"/>
-              </a:rPr>
-              <a:t>c</a:t>
-            </a:r>
-            <a:endParaRPr lang="zh-CN" altLang="en-US" sz="1600" dirty="0">
-              <a:latin typeface="Times New Roman" panose="02020603050405020304" pitchFamily="18" charset="0"/>
-              <a:cs typeface="Times New Roman" panose="02020603050405020304" pitchFamily="18" charset="0"/>
-            </a:endParaRPr>
-          </a:p>
-        </p:txBody>
-      </p:sp>
-      <p:sp>
-        <p:nvSpPr>
-          <p:cNvPr id="33" name="文本框 32"/>
-          <p:cNvSpPr txBox="1"/>
-          <p:nvPr/>
-        </p:nvSpPr>
-        <p:spPr>
-          <a:xfrm>
-            <a:off x="5744726" y="2844169"/>
-            <a:ext cx="314037" cy="338554"/>
-          </a:xfrm>
-          <a:prstGeom prst="rect">
-            <a:avLst/>
-          </a:prstGeom>
-          <a:noFill/>
-        </p:spPr>
-        <p:txBody>
-          <a:bodyPr wrap="square" rtlCol="0">
-            <a:spAutoFit/>
-          </a:bodyPr>
-          <a:lstStyle/>
-          <a:p>
-            <a:r>
-              <a:rPr lang="en-US" altLang="zh-CN" sz="1600" dirty="0" smtClean="0">
+              </a:endParaRPr>
+            </a:p>
+          </p:txBody>
+        </p:sp>
+        <p:sp>
+          <p:nvSpPr>
+            <p:cNvPr id="33" name="文本框 32"/>
+            <p:cNvSpPr txBox="1"/>
+            <p:nvPr/>
+          </p:nvSpPr>
+          <p:spPr>
+            <a:xfrm>
+              <a:off x="5744726" y="2844169"/>
+              <a:ext cx="314037" cy="338554"/>
+            </a:xfrm>
+            <a:prstGeom prst="rect">
+              <a:avLst/>
+            </a:prstGeom>
+            <a:noFill/>
+          </p:spPr>
+          <p:txBody>
+            <a:bodyPr wrap="square" rtlCol="0">
+              <a:spAutoFit/>
+            </a:bodyPr>
+            <a:lstStyle/>
+            <a:p>
+              <a:r>
+                <a:rPr lang="en-US" altLang="zh-CN" sz="1600" dirty="0" smtClean="0">
+                  <a:latin typeface="Times New Roman" panose="02020603050405020304" pitchFamily="18" charset="0"/>
+                  <a:cs typeface="Times New Roman" panose="02020603050405020304" pitchFamily="18" charset="0"/>
+                </a:rPr>
+                <a:t>d</a:t>
+              </a:r>
+              <a:endParaRPr lang="zh-CN" altLang="en-US" sz="1600" dirty="0">
                 <a:latin typeface="Times New Roman" panose="02020603050405020304" pitchFamily="18" charset="0"/>
                 <a:cs typeface="Times New Roman" panose="02020603050405020304" pitchFamily="18" charset="0"/>
-              </a:rPr>
-              <a:t>d</a:t>
-            </a:r>
-            <a:endParaRPr lang="zh-CN" altLang="en-US" sz="1600" dirty="0">
-              <a:latin typeface="Times New Roman" panose="02020603050405020304" pitchFamily="18" charset="0"/>
-              <a:cs typeface="Times New Roman" panose="02020603050405020304" pitchFamily="18" charset="0"/>
-            </a:endParaRPr>
-          </a:p>
-        </p:txBody>
-      </p:sp>
-      <p:sp>
-        <p:nvSpPr>
-          <p:cNvPr id="2" name="椭圆 1"/>
-          <p:cNvSpPr/>
-          <p:nvPr/>
-        </p:nvSpPr>
-        <p:spPr>
-          <a:xfrm>
-            <a:off x="4860057" y="3511686"/>
-            <a:ext cx="167409" cy="167409"/>
-          </a:xfrm>
-          <a:prstGeom prst="ellipse">
-            <a:avLst/>
-          </a:prstGeom>
-          <a:solidFill>
-            <a:schemeClr val="tx1"/>
-          </a:solidFill>
-          <a:ln>
+              </a:endParaRPr>
+            </a:p>
+          </p:txBody>
+        </p:sp>
+        <p:sp>
+          <p:nvSpPr>
+            <p:cNvPr id="2" name="椭圆 1"/>
+            <p:cNvSpPr/>
+            <p:nvPr/>
+          </p:nvSpPr>
+          <p:spPr>
+            <a:xfrm>
+              <a:off x="4860057" y="3511686"/>
+              <a:ext cx="167409" cy="167409"/>
+            </a:xfrm>
+            <a:prstGeom prst="ellipse">
+              <a:avLst/>
+            </a:prstGeom>
             <a:solidFill>
               <a:schemeClr val="tx1"/>
             </a:solidFill>
-          </a:ln>
-        </p:spPr>
-        <p:style>
-          <a:lnRef idx="2">
-            <a:schemeClr val="accent1">
-              <a:shade val="50000"/>
-            </a:schemeClr>
-          </a:lnRef>
-          <a:fillRef idx="1">
-            <a:schemeClr val="accent1"/>
-          </a:fillRef>
-          <a:effectRef idx="0">
-            <a:schemeClr val="accent1"/>
-          </a:effectRef>
-          <a:fontRef idx="minor">
-            <a:schemeClr val="lt1"/>
-          </a:fontRef>
-        </p:style>
-        <p:txBody>
-          <a:bodyPr rtlCol="0" anchor="ctr"/>
-          <a:lstStyle/>
-          <a:p>
-            <a:pPr algn="ctr"/>
-            <a:endParaRPr lang="zh-CN" altLang="en-US"/>
-          </a:p>
-        </p:txBody>
-      </p:sp>
-      <p:sp>
-        <p:nvSpPr>
-          <p:cNvPr id="16" name="椭圆 15"/>
-          <p:cNvSpPr/>
-          <p:nvPr/>
-        </p:nvSpPr>
-        <p:spPr>
-          <a:xfrm>
-            <a:off x="4287405" y="3022157"/>
-            <a:ext cx="167409" cy="167409"/>
-          </a:xfrm>
-          <a:prstGeom prst="ellipse">
-            <a:avLst/>
-          </a:prstGeom>
-          <a:solidFill>
-            <a:schemeClr val="tx1"/>
-          </a:solidFill>
-          <a:ln>
+            <a:ln>
+              <a:solidFill>
+                <a:schemeClr val="tx1"/>
+              </a:solidFill>
+            </a:ln>
+          </p:spPr>
+          <p:style>
+            <a:lnRef idx="2">
+              <a:schemeClr val="accent1">
+                <a:shade val="50000"/>
+              </a:schemeClr>
+            </a:lnRef>
+            <a:fillRef idx="1">
+              <a:schemeClr val="accent1"/>
+            </a:fillRef>
+            <a:effectRef idx="0">
+              <a:schemeClr val="accent1"/>
+            </a:effectRef>
+            <a:fontRef idx="minor">
+              <a:schemeClr val="lt1"/>
+            </a:fontRef>
+          </p:style>
+          <p:txBody>
+            <a:bodyPr rtlCol="0" anchor="ctr"/>
+            <a:lstStyle/>
+            <a:p>
+              <a:pPr algn="ctr"/>
+              <a:endParaRPr lang="zh-CN" altLang="en-US"/>
+            </a:p>
+          </p:txBody>
+        </p:sp>
+        <p:sp>
+          <p:nvSpPr>
+            <p:cNvPr id="16" name="椭圆 15"/>
+            <p:cNvSpPr/>
+            <p:nvPr/>
+          </p:nvSpPr>
+          <p:spPr>
+            <a:xfrm>
+              <a:off x="4287405" y="3022157"/>
+              <a:ext cx="167409" cy="167409"/>
+            </a:xfrm>
+            <a:prstGeom prst="ellipse">
+              <a:avLst/>
+            </a:prstGeom>
             <a:solidFill>
               <a:schemeClr val="tx1"/>
             </a:solidFill>
-          </a:ln>
-        </p:spPr>
-        <p:style>
-          <a:lnRef idx="2">
-            <a:schemeClr val="accent1">
-              <a:shade val="50000"/>
-            </a:schemeClr>
-          </a:lnRef>
-          <a:fillRef idx="1">
-            <a:schemeClr val="accent1"/>
-          </a:fillRef>
-          <a:effectRef idx="0">
-            <a:schemeClr val="accent1"/>
-          </a:effectRef>
-          <a:fontRef idx="minor">
-            <a:schemeClr val="lt1"/>
-          </a:fontRef>
-        </p:style>
-        <p:txBody>
-          <a:bodyPr rtlCol="0" anchor="ctr"/>
-          <a:lstStyle/>
-          <a:p>
-            <a:pPr algn="ctr"/>
-            <a:endParaRPr lang="zh-CN" altLang="en-US"/>
-          </a:p>
-        </p:txBody>
-      </p:sp>
-      <p:sp>
-        <p:nvSpPr>
-          <p:cNvPr id="18" name="椭圆 17"/>
-          <p:cNvSpPr/>
-          <p:nvPr/>
-        </p:nvSpPr>
-        <p:spPr>
-          <a:xfrm>
-            <a:off x="5475432" y="3338808"/>
-            <a:ext cx="167409" cy="167409"/>
-          </a:xfrm>
-          <a:prstGeom prst="ellipse">
-            <a:avLst/>
-          </a:prstGeom>
-          <a:solidFill>
-            <a:schemeClr val="tx1"/>
-          </a:solidFill>
-          <a:ln>
+            <a:ln>
+              <a:solidFill>
+                <a:schemeClr val="tx1"/>
+              </a:solidFill>
+            </a:ln>
+          </p:spPr>
+          <p:style>
+            <a:lnRef idx="2">
+              <a:schemeClr val="accent1">
+                <a:shade val="50000"/>
+              </a:schemeClr>
+            </a:lnRef>
+            <a:fillRef idx="1">
+              <a:schemeClr val="accent1"/>
+            </a:fillRef>
+            <a:effectRef idx="0">
+              <a:schemeClr val="accent1"/>
+            </a:effectRef>
+            <a:fontRef idx="minor">
+              <a:schemeClr val="lt1"/>
+            </a:fontRef>
+          </p:style>
+          <p:txBody>
+            <a:bodyPr rtlCol="0" anchor="ctr"/>
+            <a:lstStyle/>
+            <a:p>
+              <a:pPr algn="ctr"/>
+              <a:endParaRPr lang="zh-CN" altLang="en-US"/>
+            </a:p>
+          </p:txBody>
+        </p:sp>
+        <p:sp>
+          <p:nvSpPr>
+            <p:cNvPr id="18" name="椭圆 17"/>
+            <p:cNvSpPr/>
+            <p:nvPr/>
+          </p:nvSpPr>
+          <p:spPr>
+            <a:xfrm>
+              <a:off x="5475432" y="3338808"/>
+              <a:ext cx="167409" cy="167409"/>
+            </a:xfrm>
+            <a:prstGeom prst="ellipse">
+              <a:avLst/>
+            </a:prstGeom>
             <a:solidFill>
               <a:schemeClr val="tx1"/>
             </a:solidFill>
-          </a:ln>
-        </p:spPr>
-        <p:style>
-          <a:lnRef idx="2">
-            <a:schemeClr val="accent1">
-              <a:shade val="50000"/>
-            </a:schemeClr>
-          </a:lnRef>
-          <a:fillRef idx="1">
-            <a:schemeClr val="accent1"/>
-          </a:fillRef>
-          <a:effectRef idx="0">
-            <a:schemeClr val="accent1"/>
-          </a:effectRef>
-          <a:fontRef idx="minor">
-            <a:schemeClr val="lt1"/>
-          </a:fontRef>
-        </p:style>
-        <p:txBody>
-          <a:bodyPr rtlCol="0" anchor="ctr"/>
-          <a:lstStyle/>
-          <a:p>
-            <a:pPr algn="ctr"/>
-            <a:endParaRPr lang="zh-CN" altLang="en-US"/>
-          </a:p>
-        </p:txBody>
-      </p:sp>
-      <p:sp>
-        <p:nvSpPr>
-          <p:cNvPr id="22" name="椭圆 21"/>
-          <p:cNvSpPr/>
-          <p:nvPr/>
-        </p:nvSpPr>
-        <p:spPr>
-          <a:xfrm>
-            <a:off x="7942697" y="3422513"/>
-            <a:ext cx="167409" cy="167409"/>
-          </a:xfrm>
-          <a:prstGeom prst="ellipse">
-            <a:avLst/>
-          </a:prstGeom>
-          <a:solidFill>
-            <a:schemeClr val="tx1"/>
-          </a:solidFill>
-          <a:ln>
+            <a:ln>
+              <a:solidFill>
+                <a:schemeClr val="tx1"/>
+              </a:solidFill>
+            </a:ln>
+          </p:spPr>
+          <p:style>
+            <a:lnRef idx="2">
+              <a:schemeClr val="accent1">
+                <a:shade val="50000"/>
+              </a:schemeClr>
+            </a:lnRef>
+            <a:fillRef idx="1">
+              <a:schemeClr val="accent1"/>
+            </a:fillRef>
+            <a:effectRef idx="0">
+              <a:schemeClr val="accent1"/>
+            </a:effectRef>
+            <a:fontRef idx="minor">
+              <a:schemeClr val="lt1"/>
+            </a:fontRef>
+          </p:style>
+          <p:txBody>
+            <a:bodyPr rtlCol="0" anchor="ctr"/>
+            <a:lstStyle/>
+            <a:p>
+              <a:pPr algn="ctr"/>
+              <a:endParaRPr lang="zh-CN" altLang="en-US"/>
+            </a:p>
+          </p:txBody>
+        </p:sp>
+        <p:sp>
+          <p:nvSpPr>
+            <p:cNvPr id="22" name="椭圆 21"/>
+            <p:cNvSpPr/>
+            <p:nvPr/>
+          </p:nvSpPr>
+          <p:spPr>
+            <a:xfrm>
+              <a:off x="7942697" y="3422513"/>
+              <a:ext cx="167409" cy="167409"/>
+            </a:xfrm>
+            <a:prstGeom prst="ellipse">
+              <a:avLst/>
+            </a:prstGeom>
             <a:solidFill>
               <a:schemeClr val="tx1"/>
             </a:solidFill>
-          </a:ln>
-        </p:spPr>
-        <p:style>
-          <a:lnRef idx="2">
-            <a:schemeClr val="accent1">
-              <a:shade val="50000"/>
-            </a:schemeClr>
-          </a:lnRef>
-          <a:fillRef idx="1">
-            <a:schemeClr val="accent1"/>
-          </a:fillRef>
-          <a:effectRef idx="0">
-            <a:schemeClr val="accent1"/>
-          </a:effectRef>
-          <a:fontRef idx="minor">
-            <a:schemeClr val="lt1"/>
-          </a:fontRef>
-        </p:style>
-        <p:txBody>
-          <a:bodyPr rtlCol="0" anchor="ctr"/>
-          <a:lstStyle/>
-          <a:p>
-            <a:pPr algn="ctr"/>
-            <a:endParaRPr lang="zh-CN" altLang="en-US"/>
-          </a:p>
-        </p:txBody>
-      </p:sp>
-      <p:sp>
-        <p:nvSpPr>
-          <p:cNvPr id="14" name="椭圆 13"/>
-          <p:cNvSpPr/>
-          <p:nvPr/>
-        </p:nvSpPr>
-        <p:spPr>
-          <a:xfrm>
-            <a:off x="5992088" y="3030375"/>
-            <a:ext cx="167409" cy="167409"/>
-          </a:xfrm>
-          <a:prstGeom prst="ellipse">
-            <a:avLst/>
-          </a:prstGeom>
-          <a:solidFill>
-            <a:schemeClr val="tx1"/>
-          </a:solidFill>
-          <a:ln>
+            <a:ln>
+              <a:solidFill>
+                <a:schemeClr val="tx1"/>
+              </a:solidFill>
+            </a:ln>
+          </p:spPr>
+          <p:style>
+            <a:lnRef idx="2">
+              <a:schemeClr val="accent1">
+                <a:shade val="50000"/>
+              </a:schemeClr>
+            </a:lnRef>
+            <a:fillRef idx="1">
+              <a:schemeClr val="accent1"/>
+            </a:fillRef>
+            <a:effectRef idx="0">
+              <a:schemeClr val="accent1"/>
+            </a:effectRef>
+            <a:fontRef idx="minor">
+              <a:schemeClr val="lt1"/>
+            </a:fontRef>
+          </p:style>
+          <p:txBody>
+            <a:bodyPr rtlCol="0" anchor="ctr"/>
+            <a:lstStyle/>
+            <a:p>
+              <a:pPr algn="ctr"/>
+              <a:endParaRPr lang="zh-CN" altLang="en-US"/>
+            </a:p>
+          </p:txBody>
+        </p:sp>
+        <p:sp>
+          <p:nvSpPr>
+            <p:cNvPr id="14" name="椭圆 13"/>
+            <p:cNvSpPr/>
+            <p:nvPr/>
+          </p:nvSpPr>
+          <p:spPr>
+            <a:xfrm>
+              <a:off x="5992088" y="3030375"/>
+              <a:ext cx="167409" cy="167409"/>
+            </a:xfrm>
+            <a:prstGeom prst="ellipse">
+              <a:avLst/>
+            </a:prstGeom>
             <a:solidFill>
               <a:schemeClr val="tx1"/>
             </a:solidFill>
-          </a:ln>
-        </p:spPr>
-        <p:style>
-          <a:lnRef idx="2">
-            <a:schemeClr val="accent1">
-              <a:shade val="50000"/>
-            </a:schemeClr>
-          </a:lnRef>
-          <a:fillRef idx="1">
-            <a:schemeClr val="accent1"/>
-          </a:fillRef>
-          <a:effectRef idx="0">
-            <a:schemeClr val="accent1"/>
-          </a:effectRef>
-          <a:fontRef idx="minor">
-            <a:schemeClr val="lt1"/>
-          </a:fontRef>
-        </p:style>
-        <p:txBody>
-          <a:bodyPr rtlCol="0" anchor="ctr"/>
-          <a:lstStyle/>
-          <a:p>
-            <a:pPr algn="ctr"/>
-            <a:endParaRPr lang="zh-CN" altLang="en-US"/>
-          </a:p>
-        </p:txBody>
-      </p:sp>
-      <p:sp>
-        <p:nvSpPr>
-          <p:cNvPr id="15" name="椭圆 14"/>
-          <p:cNvSpPr/>
-          <p:nvPr/>
-        </p:nvSpPr>
-        <p:spPr>
-          <a:xfrm>
-            <a:off x="5149848" y="2188135"/>
-            <a:ext cx="1851890" cy="1851890"/>
-          </a:xfrm>
-          <a:prstGeom prst="ellipse">
-            <a:avLst/>
-          </a:prstGeom>
-          <a:noFill/>
-          <a:ln w="28575">
-            <a:solidFill>
-              <a:srgbClr val="FF0000"/>
-            </a:solidFill>
-          </a:ln>
-        </p:spPr>
-        <p:style>
-          <a:lnRef idx="2">
-            <a:schemeClr val="accent1">
-              <a:shade val="50000"/>
-            </a:schemeClr>
-          </a:lnRef>
-          <a:fillRef idx="1">
-            <a:schemeClr val="accent1"/>
-          </a:fillRef>
-          <a:effectRef idx="0">
-            <a:schemeClr val="accent1"/>
-          </a:effectRef>
-          <a:fontRef idx="minor">
-            <a:schemeClr val="lt1"/>
-          </a:fontRef>
-        </p:style>
-        <p:txBody>
-          <a:bodyPr rtlCol="0" anchor="ctr"/>
-          <a:lstStyle/>
-          <a:p>
-            <a:pPr algn="ctr"/>
-            <a:endParaRPr lang="zh-CN" altLang="en-US"/>
-          </a:p>
-        </p:txBody>
-      </p:sp>
-      <p:sp>
-        <p:nvSpPr>
-          <p:cNvPr id="27" name="文本框 26"/>
-          <p:cNvSpPr txBox="1"/>
-          <p:nvPr/>
-        </p:nvSpPr>
-        <p:spPr>
-          <a:xfrm>
-            <a:off x="7701099" y="3167663"/>
-            <a:ext cx="314037" cy="338554"/>
-          </a:xfrm>
-          <a:prstGeom prst="rect">
-            <a:avLst/>
-          </a:prstGeom>
-          <a:noFill/>
-        </p:spPr>
-        <p:txBody>
-          <a:bodyPr wrap="square" rtlCol="0">
-            <a:spAutoFit/>
-          </a:bodyPr>
-          <a:lstStyle/>
-          <a:p>
-            <a:r>
-              <a:rPr lang="en-US" altLang="zh-CN" sz="1600" dirty="0" smtClean="0">
+            <a:ln>
+              <a:solidFill>
+                <a:schemeClr val="tx1"/>
+              </a:solidFill>
+            </a:ln>
+          </p:spPr>
+          <p:style>
+            <a:lnRef idx="2">
+              <a:schemeClr val="accent1">
+                <a:shade val="50000"/>
+              </a:schemeClr>
+            </a:lnRef>
+            <a:fillRef idx="1">
+              <a:schemeClr val="accent1"/>
+            </a:fillRef>
+            <a:effectRef idx="0">
+              <a:schemeClr val="accent1"/>
+            </a:effectRef>
+            <a:fontRef idx="minor">
+              <a:schemeClr val="lt1"/>
+            </a:fontRef>
+          </p:style>
+          <p:txBody>
+            <a:bodyPr rtlCol="0" anchor="ctr"/>
+            <a:lstStyle/>
+            <a:p>
+              <a:pPr algn="ctr"/>
+              <a:endParaRPr lang="zh-CN" altLang="en-US"/>
+            </a:p>
+          </p:txBody>
+        </p:sp>
+        <p:sp>
+          <p:nvSpPr>
+            <p:cNvPr id="15" name="椭圆 14"/>
+            <p:cNvSpPr/>
+            <p:nvPr/>
+          </p:nvSpPr>
+          <p:spPr>
+            <a:xfrm>
+              <a:off x="5149848" y="2188135"/>
+              <a:ext cx="1851890" cy="1851890"/>
+            </a:xfrm>
+            <a:prstGeom prst="ellipse">
+              <a:avLst/>
+            </a:prstGeom>
+            <a:noFill/>
+            <a:ln w="28575">
+              <a:solidFill>
+                <a:srgbClr val="FF0000"/>
+              </a:solidFill>
+            </a:ln>
+          </p:spPr>
+          <p:style>
+            <a:lnRef idx="2">
+              <a:schemeClr val="accent1">
+                <a:shade val="50000"/>
+              </a:schemeClr>
+            </a:lnRef>
+            <a:fillRef idx="1">
+              <a:schemeClr val="accent1"/>
+            </a:fillRef>
+            <a:effectRef idx="0">
+              <a:schemeClr val="accent1"/>
+            </a:effectRef>
+            <a:fontRef idx="minor">
+              <a:schemeClr val="lt1"/>
+            </a:fontRef>
+          </p:style>
+          <p:txBody>
+            <a:bodyPr rtlCol="0" anchor="ctr"/>
+            <a:lstStyle/>
+            <a:p>
+              <a:pPr algn="ctr"/>
+              <a:endParaRPr lang="zh-CN" altLang="en-US"/>
+            </a:p>
+          </p:txBody>
+        </p:sp>
+        <p:sp>
+          <p:nvSpPr>
+            <p:cNvPr id="27" name="文本框 26"/>
+            <p:cNvSpPr txBox="1"/>
+            <p:nvPr/>
+          </p:nvSpPr>
+          <p:spPr>
+            <a:xfrm>
+              <a:off x="7701099" y="3167663"/>
+              <a:ext cx="314037" cy="338554"/>
+            </a:xfrm>
+            <a:prstGeom prst="rect">
+              <a:avLst/>
+            </a:prstGeom>
+            <a:noFill/>
+          </p:spPr>
+          <p:txBody>
+            <a:bodyPr wrap="square" rtlCol="0">
+              <a:spAutoFit/>
+            </a:bodyPr>
+            <a:lstStyle/>
+            <a:p>
+              <a:r>
+                <a:rPr lang="en-US" altLang="zh-CN" sz="1600" dirty="0" smtClean="0">
+                  <a:latin typeface="Times New Roman" panose="02020603050405020304" pitchFamily="18" charset="0"/>
+                  <a:cs typeface="Times New Roman" panose="02020603050405020304" pitchFamily="18" charset="0"/>
+                </a:rPr>
+                <a:t>e</a:t>
+              </a:r>
+              <a:endParaRPr lang="zh-CN" altLang="en-US" sz="1600" dirty="0">
                 <a:latin typeface="Times New Roman" panose="02020603050405020304" pitchFamily="18" charset="0"/>
                 <a:cs typeface="Times New Roman" panose="02020603050405020304" pitchFamily="18" charset="0"/>
-              </a:rPr>
-              <a:t>e</a:t>
-            </a:r>
-            <a:endParaRPr lang="zh-CN" altLang="en-US" sz="1600" dirty="0">
-              <a:latin typeface="Times New Roman" panose="02020603050405020304" pitchFamily="18" charset="0"/>
-              <a:cs typeface="Times New Roman" panose="02020603050405020304" pitchFamily="18" charset="0"/>
-            </a:endParaRPr>
-          </a:p>
-        </p:txBody>
-      </p:sp>
+              </a:endParaRPr>
+            </a:p>
+          </p:txBody>
+        </p:sp>
+      </p:grpSp>
     </p:spTree>
     <p:extLst>
       <p:ext uri="{BB962C8B-B14F-4D97-AF65-F5344CB8AC3E}">
